--- a/septic.pptx
+++ b/septic.pptx
@@ -5,11 +5,12 @@
     <p:sldMasterId id="2147483648" r:id="rId1"/>
   </p:sldMasterIdLst>
   <p:notesMasterIdLst>
-    <p:notesMasterId r:id="rId4"/>
+    <p:notesMasterId r:id="rId5"/>
   </p:notesMasterIdLst>
   <p:sldIdLst>
     <p:sldId id="256" r:id="rId2"/>
     <p:sldId id="257" r:id="rId3"/>
+    <p:sldId id="258" r:id="rId4"/>
   </p:sldIdLst>
   <p:sldSz cx="12192000" cy="6858000"/>
   <p:notesSz cx="6858000" cy="9144000"/>
@@ -198,7 +199,7 @@
           <a:p>
             <a:fld id="{41ADE972-A30E-EB4D-8E6E-AA4C5D685F81}" type="datetimeFigureOut">
               <a:rPr lang="en-US" smtClean="0"/>
-              <a:t>5/14/25</a:t>
+              <a:t>5/25/25</a:t>
             </a:fld>
             <a:endParaRPr lang="en-US"/>
           </a:p>
@@ -611,7 +612,7 @@
           <a:lstStyle/>
           <a:p>
             <a:fld id="{5F491023-0B0A-7041-9F06-D25A50EF063B}" type="datetimeFigureOut">
-              <a:t>5/14/25</a:t>
+              <a:t>5/25/25</a:t>
             </a:fld>
             <a:endParaRPr lang="en-US"/>
           </a:p>
@@ -807,7 +808,7 @@
           <a:lstStyle/>
           <a:p>
             <a:fld id="{5F491023-0B0A-7041-9F06-D25A50EF063B}" type="datetimeFigureOut">
-              <a:t>5/14/25</a:t>
+              <a:t>5/25/25</a:t>
             </a:fld>
             <a:endParaRPr lang="en-US"/>
           </a:p>
@@ -1013,7 +1014,7 @@
           <a:lstStyle/>
           <a:p>
             <a:fld id="{5F491023-0B0A-7041-9F06-D25A50EF063B}" type="datetimeFigureOut">
-              <a:t>5/14/25</a:t>
+              <a:t>5/25/25</a:t>
             </a:fld>
             <a:endParaRPr lang="en-US"/>
           </a:p>
@@ -1209,7 +1210,7 @@
           <a:lstStyle/>
           <a:p>
             <a:fld id="{5F491023-0B0A-7041-9F06-D25A50EF063B}" type="datetimeFigureOut">
-              <a:t>5/14/25</a:t>
+              <a:t>5/25/25</a:t>
             </a:fld>
             <a:endParaRPr lang="en-US"/>
           </a:p>
@@ -1482,7 +1483,7 @@
           <a:lstStyle/>
           <a:p>
             <a:fld id="{5F491023-0B0A-7041-9F06-D25A50EF063B}" type="datetimeFigureOut">
-              <a:t>5/14/25</a:t>
+              <a:t>5/25/25</a:t>
             </a:fld>
             <a:endParaRPr lang="en-US"/>
           </a:p>
@@ -1745,7 +1746,7 @@
           <a:lstStyle/>
           <a:p>
             <a:fld id="{5F491023-0B0A-7041-9F06-D25A50EF063B}" type="datetimeFigureOut">
-              <a:t>5/14/25</a:t>
+              <a:t>5/25/25</a:t>
             </a:fld>
             <a:endParaRPr lang="en-US"/>
           </a:p>
@@ -2155,7 +2156,7 @@
           <a:lstStyle/>
           <a:p>
             <a:fld id="{5F491023-0B0A-7041-9F06-D25A50EF063B}" type="datetimeFigureOut">
-              <a:t>5/14/25</a:t>
+              <a:t>5/25/25</a:t>
             </a:fld>
             <a:endParaRPr lang="en-US"/>
           </a:p>
@@ -2294,7 +2295,7 @@
           <a:lstStyle/>
           <a:p>
             <a:fld id="{5F491023-0B0A-7041-9F06-D25A50EF063B}" type="datetimeFigureOut">
-              <a:t>5/14/25</a:t>
+              <a:t>5/25/25</a:t>
             </a:fld>
             <a:endParaRPr lang="en-US"/>
           </a:p>
@@ -2405,7 +2406,7 @@
           <a:lstStyle/>
           <a:p>
             <a:fld id="{5F491023-0B0A-7041-9F06-D25A50EF063B}" type="datetimeFigureOut">
-              <a:t>5/14/25</a:t>
+              <a:t>5/25/25</a:t>
             </a:fld>
             <a:endParaRPr lang="en-US"/>
           </a:p>
@@ -2714,7 +2715,7 @@
           <a:lstStyle/>
           <a:p>
             <a:fld id="{5F491023-0B0A-7041-9F06-D25A50EF063B}" type="datetimeFigureOut">
-              <a:t>5/14/25</a:t>
+              <a:t>5/25/25</a:t>
             </a:fld>
             <a:endParaRPr lang="en-US"/>
           </a:p>
@@ -3000,7 +3001,7 @@
           <a:lstStyle/>
           <a:p>
             <a:fld id="{5F491023-0B0A-7041-9F06-D25A50EF063B}" type="datetimeFigureOut">
-              <a:t>5/14/25</a:t>
+              <a:t>5/25/25</a:t>
             </a:fld>
             <a:endParaRPr lang="en-US"/>
           </a:p>
@@ -3239,7 +3240,7 @@
           </a:lstStyle>
           <a:p>
             <a:fld id="{5F491023-0B0A-7041-9F06-D25A50EF063B}" type="datetimeFigureOut">
-              <a:t>5/14/25</a:t>
+              <a:t>5/25/25</a:t>
             </a:fld>
             <a:endParaRPr lang="en-US"/>
           </a:p>
@@ -3704,8 +3705,8 @@
         </p:nvSpPr>
         <p:spPr>
           <a:xfrm>
-            <a:off x="121478" y="523220"/>
-            <a:ext cx="5974521" cy="3785652"/>
+            <a:off x="121479" y="523220"/>
+            <a:ext cx="5364922" cy="3785652"/>
           </a:xfrm>
           <a:prstGeom prst="rect">
             <a:avLst/>
@@ -3961,7 +3962,7 @@
             </a:r>
             <a:r>
               <a:rPr lang="en-US" sz="1200" dirty="0"/>
-              <a:t>. K-57 Septic System Treatment, 32-Ounce - 3 Pack</a:t>
+              <a:t>. K-57 Septic System Treatment, 32-Ounce - 3 Pack. Use one bottle once a year</a:t>
             </a:r>
           </a:p>
         </p:txBody>
@@ -3995,7 +3996,7 @@
         </p:blipFill>
         <p:spPr bwMode="auto">
           <a:xfrm>
-            <a:off x="6601521" y="3921781"/>
+            <a:off x="3612994" y="4440310"/>
             <a:ext cx="5233639" cy="2196790"/>
           </a:xfrm>
           <a:prstGeom prst="rect">
@@ -4047,7 +4048,7 @@
         </p:blipFill>
         <p:spPr bwMode="auto">
           <a:xfrm>
-            <a:off x="6601521" y="523220"/>
+            <a:off x="5576959" y="523219"/>
             <a:ext cx="3365500" cy="2413000"/>
           </a:xfrm>
           <a:prstGeom prst="rect">
@@ -4122,6 +4123,134 @@
           </a:extLst>
         </p:spPr>
       </p:pic>
+      <p:sp>
+        <p:nvSpPr>
+          <p:cNvPr id="2" name="TextBox 1">
+            <a:extLst>
+              <a:ext uri="{FF2B5EF4-FFF2-40B4-BE49-F238E27FC236}">
+                <a16:creationId xmlns:a16="http://schemas.microsoft.com/office/drawing/2014/main" id="{85D1BEA6-2684-2FDC-9B7F-69FF855297C1}"/>
+              </a:ext>
+            </a:extLst>
+          </p:cNvPr>
+          <p:cNvSpPr txBox="1"/>
+          <p:nvPr/>
+        </p:nvSpPr>
+        <p:spPr>
+          <a:xfrm>
+            <a:off x="8942459" y="4440310"/>
+            <a:ext cx="3037504" cy="1754326"/>
+          </a:xfrm>
+          <a:prstGeom prst="rect">
+            <a:avLst/>
+          </a:prstGeom>
+          <a:solidFill>
+            <a:schemeClr val="accent4">
+              <a:lumMod val="20000"/>
+              <a:lumOff val="80000"/>
+            </a:schemeClr>
+          </a:solidFill>
+          <a:ln>
+            <a:solidFill>
+              <a:srgbClr val="FF0000"/>
+            </a:solidFill>
+          </a:ln>
+        </p:spPr>
+        <p:txBody>
+          <a:bodyPr wrap="square" rtlCol="0">
+            <a:spAutoFit/>
+          </a:bodyPr>
+          <a:lstStyle/>
+          <a:p>
+            <a:r>
+              <a:rPr lang="en-US" sz="1200" dirty="0"/>
+              <a:t>Septic Surgeons</a:t>
+            </a:r>
+          </a:p>
+          <a:p>
+            <a:r>
+              <a:rPr lang="en-US" sz="1200" dirty="0"/>
+              <a:t>57B Lester Rd, </a:t>
+            </a:r>
+            <a:r>
+              <a:rPr lang="en-US" sz="1200" dirty="0" err="1"/>
+              <a:t>Equinunk</a:t>
+            </a:r>
+            <a:r>
+              <a:rPr lang="en-US" sz="1200" dirty="0"/>
+              <a:t>, PA 18417</a:t>
+            </a:r>
+          </a:p>
+          <a:p>
+            <a:r>
+              <a:rPr lang="en-US" sz="1200" dirty="0">
+                <a:hlinkClick r:id="rId9"/>
+              </a:rPr>
+              <a:t>https://</a:t>
+            </a:r>
+            <a:r>
+              <a:rPr lang="en-US" sz="1200" dirty="0" err="1">
+                <a:hlinkClick r:id="rId9"/>
+              </a:rPr>
+              <a:t>www.facebook.com</a:t>
+            </a:r>
+            <a:r>
+              <a:rPr lang="en-US" sz="1200" dirty="0">
+                <a:hlinkClick r:id="rId9"/>
+              </a:rPr>
+              <a:t>/</a:t>
+            </a:r>
+            <a:r>
+              <a:rPr lang="en-US" sz="1200" dirty="0" err="1">
+                <a:hlinkClick r:id="rId9"/>
+              </a:rPr>
+              <a:t>SepticSurgeons</a:t>
+            </a:r>
+            <a:endParaRPr lang="en-US" sz="1200" dirty="0"/>
+          </a:p>
+          <a:p>
+            <a:r>
+              <a:rPr lang="en-US" sz="1200" dirty="0"/>
+              <a:t>570-224-4822</a:t>
+            </a:r>
+          </a:p>
+          <a:p>
+            <a:endParaRPr lang="en-US" sz="1200" dirty="0"/>
+          </a:p>
+          <a:p>
+            <a:r>
+              <a:rPr lang="en-US" sz="1200" dirty="0"/>
+              <a:t>Koberlein Environmental Services</a:t>
+            </a:r>
+          </a:p>
+          <a:p>
+            <a:r>
+              <a:rPr lang="en-US" sz="1200" dirty="0"/>
+              <a:t>188 Beach Lake Hwy, Honesdale, PA 18431</a:t>
+            </a:r>
+          </a:p>
+          <a:p>
+            <a:r>
+              <a:rPr lang="en-US" sz="1200" dirty="0">
+                <a:hlinkClick r:id="rId10"/>
+              </a:rPr>
+              <a:t>https://</a:t>
+            </a:r>
+            <a:r>
+              <a:rPr lang="en-US" sz="1200" dirty="0" err="1">
+                <a:hlinkClick r:id="rId10"/>
+              </a:rPr>
+              <a:t>www.koberlein.com</a:t>
+            </a:r>
+            <a:endParaRPr lang="en-US" sz="1200" dirty="0"/>
+          </a:p>
+          <a:p>
+            <a:r>
+              <a:rPr lang="en-US" sz="1200" dirty="0"/>
+              <a:t>570-671-2940</a:t>
+            </a:r>
+          </a:p>
+        </p:txBody>
+      </p:sp>
     </p:spTree>
     <p:extLst>
       <p:ext uri="{BB962C8B-B14F-4D97-AF65-F5344CB8AC3E}">
@@ -4477,6 +4606,278 @@
     <p:extLst>
       <p:ext uri="{BB962C8B-B14F-4D97-AF65-F5344CB8AC3E}">
         <p14:creationId xmlns:p14="http://schemas.microsoft.com/office/powerpoint/2010/main" val="1451479060"/>
+      </p:ext>
+    </p:extLst>
+  </p:cSld>
+  <p:clrMapOvr>
+    <a:masterClrMapping/>
+  </p:clrMapOvr>
+</p:sld>
+</file>
+
+<file path=ppt/slides/slide3.xml><?xml version="1.0" encoding="utf-8"?>
+<p:sld xmlns:a="http://schemas.openxmlformats.org/drawingml/2006/main" xmlns:r="http://schemas.openxmlformats.org/officeDocument/2006/relationships" xmlns:p="http://schemas.openxmlformats.org/presentationml/2006/main">
+  <p:cSld>
+    <p:spTree>
+      <p:nvGrpSpPr>
+        <p:cNvPr id="1" name="">
+          <a:extLst>
+            <a:ext uri="{FF2B5EF4-FFF2-40B4-BE49-F238E27FC236}">
+              <a16:creationId xmlns:a16="http://schemas.microsoft.com/office/drawing/2014/main" id="{598AF322-45CF-D751-D6C3-998DDB7A9328}"/>
+            </a:ext>
+          </a:extLst>
+        </p:cNvPr>
+        <p:cNvGrpSpPr/>
+        <p:nvPr/>
+      </p:nvGrpSpPr>
+      <p:grpSpPr>
+        <a:xfrm>
+          <a:off x="0" y="0"/>
+          <a:ext cx="0" cy="0"/>
+          <a:chOff x="0" y="0"/>
+          <a:chExt cx="0" cy="0"/>
+        </a:xfrm>
+      </p:grpSpPr>
+      <p:sp>
+        <p:nvSpPr>
+          <p:cNvPr id="4" name="TextBox 3">
+            <a:extLst>
+              <a:ext uri="{FF2B5EF4-FFF2-40B4-BE49-F238E27FC236}">
+                <a16:creationId xmlns:a16="http://schemas.microsoft.com/office/drawing/2014/main" id="{E672B558-7898-C9E9-733D-16452D659176}"/>
+              </a:ext>
+            </a:extLst>
+          </p:cNvPr>
+          <p:cNvSpPr txBox="1"/>
+          <p:nvPr/>
+        </p:nvSpPr>
+        <p:spPr>
+          <a:xfrm>
+            <a:off x="30920" y="0"/>
+            <a:ext cx="5656201" cy="523220"/>
+          </a:xfrm>
+          <a:prstGeom prst="rect">
+            <a:avLst/>
+          </a:prstGeom>
+          <a:noFill/>
+        </p:spPr>
+        <p:txBody>
+          <a:bodyPr wrap="square" rtlCol="0">
+            <a:spAutoFit/>
+          </a:bodyPr>
+          <a:lstStyle/>
+          <a:p>
+            <a:r>
+              <a:rPr lang="en-US" sz="2800" b="1" dirty="0"/>
+              <a:t>Our septic</a:t>
+            </a:r>
+          </a:p>
+        </p:txBody>
+      </p:sp>
+      <p:sp>
+        <p:nvSpPr>
+          <p:cNvPr id="5" name="TextBox 4">
+            <a:extLst>
+              <a:ext uri="{FF2B5EF4-FFF2-40B4-BE49-F238E27FC236}">
+                <a16:creationId xmlns:a16="http://schemas.microsoft.com/office/drawing/2014/main" id="{18BE760B-7B82-85E6-6656-8F7B4C001F69}"/>
+              </a:ext>
+            </a:extLst>
+          </p:cNvPr>
+          <p:cNvSpPr txBox="1"/>
+          <p:nvPr/>
+        </p:nvSpPr>
+        <p:spPr>
+          <a:xfrm>
+            <a:off x="121479" y="744494"/>
+            <a:ext cx="3112376" cy="646331"/>
+          </a:xfrm>
+          <a:prstGeom prst="rect">
+            <a:avLst/>
+          </a:prstGeom>
+          <a:solidFill>
+            <a:schemeClr val="accent4">
+              <a:lumMod val="20000"/>
+              <a:lumOff val="80000"/>
+            </a:schemeClr>
+          </a:solidFill>
+          <a:ln>
+            <a:solidFill>
+              <a:srgbClr val="FF0000"/>
+            </a:solidFill>
+          </a:ln>
+        </p:spPr>
+        <p:txBody>
+          <a:bodyPr wrap="square" rtlCol="0">
+            <a:spAutoFit/>
+          </a:bodyPr>
+          <a:lstStyle/>
+          <a:p>
+            <a:r>
+              <a:rPr lang="en-US" sz="1200" dirty="0"/>
+              <a:t>Our septic – cement 8 ft x 4 ft</a:t>
+            </a:r>
+          </a:p>
+          <a:p>
+            <a:r>
+              <a:rPr lang="en-US" sz="1200" dirty="0"/>
+              <a:t>square lid  16" x 16"</a:t>
+            </a:r>
+          </a:p>
+          <a:p>
+            <a:r>
+              <a:rPr lang="en-US" sz="1200" dirty="0"/>
+              <a:t>Depth 5 ft 2 inches (62") from top to bottom</a:t>
+            </a:r>
+          </a:p>
+        </p:txBody>
+      </p:sp>
+      <p:pic>
+        <p:nvPicPr>
+          <p:cNvPr id="6" name="Picture 5" descr="A hole in the dirt&#10;&#10;AI-generated content may be incorrect.">
+            <a:extLst>
+              <a:ext uri="{FF2B5EF4-FFF2-40B4-BE49-F238E27FC236}">
+                <a16:creationId xmlns:a16="http://schemas.microsoft.com/office/drawing/2014/main" id="{B536A5E1-1784-EFE2-1F52-45F11D4F14F7}"/>
+              </a:ext>
+            </a:extLst>
+          </p:cNvPr>
+          <p:cNvPicPr>
+            <a:picLocks noChangeAspect="1"/>
+          </p:cNvPicPr>
+          <p:nvPr/>
+        </p:nvPicPr>
+        <p:blipFill>
+          <a:blip r:embed="rId2" cstate="email">
+            <a:extLst>
+              <a:ext uri="{28A0092B-C50C-407E-A947-70E740481C1C}">
+                <a14:useLocalDpi xmlns:a14="http://schemas.microsoft.com/office/drawing/2010/main"/>
+              </a:ext>
+            </a:extLst>
+          </a:blip>
+          <a:stretch>
+            <a:fillRect/>
+          </a:stretch>
+        </p:blipFill>
+        <p:spPr>
+          <a:xfrm rot="5400000">
+            <a:off x="6846356" y="3996222"/>
+            <a:ext cx="3141133" cy="2355850"/>
+          </a:xfrm>
+          <a:prstGeom prst="rect">
+            <a:avLst/>
+          </a:prstGeom>
+        </p:spPr>
+      </p:pic>
+      <p:pic>
+        <p:nvPicPr>
+          <p:cNvPr id="8" name="Picture 7" descr="A hole in the ground with a hole in it&#10;&#10;AI-generated content may be incorrect.">
+            <a:extLst>
+              <a:ext uri="{FF2B5EF4-FFF2-40B4-BE49-F238E27FC236}">
+                <a16:creationId xmlns:a16="http://schemas.microsoft.com/office/drawing/2014/main" id="{1F093DE3-1F99-766A-003D-A9A1A444FA06}"/>
+              </a:ext>
+            </a:extLst>
+          </p:cNvPr>
+          <p:cNvPicPr>
+            <a:picLocks noChangeAspect="1"/>
+          </p:cNvPicPr>
+          <p:nvPr/>
+        </p:nvPicPr>
+        <p:blipFill>
+          <a:blip r:embed="rId3" cstate="email">
+            <a:extLst>
+              <a:ext uri="{28A0092B-C50C-407E-A947-70E740481C1C}">
+                <a14:useLocalDpi xmlns:a14="http://schemas.microsoft.com/office/drawing/2010/main"/>
+              </a:ext>
+            </a:extLst>
+          </a:blip>
+          <a:stretch>
+            <a:fillRect/>
+          </a:stretch>
+        </p:blipFill>
+        <p:spPr>
+          <a:xfrm rot="5400000">
+            <a:off x="9322027" y="3996222"/>
+            <a:ext cx="3141136" cy="2355852"/>
+          </a:xfrm>
+          <a:prstGeom prst="rect">
+            <a:avLst/>
+          </a:prstGeom>
+        </p:spPr>
+      </p:pic>
+      <p:pic>
+        <p:nvPicPr>
+          <p:cNvPr id="9" name="Picture 8">
+            <a:extLst>
+              <a:ext uri="{FF2B5EF4-FFF2-40B4-BE49-F238E27FC236}">
+                <a16:creationId xmlns:a16="http://schemas.microsoft.com/office/drawing/2014/main" id="{9D815568-FAA4-624E-6CD6-049E55C54B9B}"/>
+              </a:ext>
+            </a:extLst>
+          </p:cNvPr>
+          <p:cNvPicPr>
+            <a:picLocks noChangeAspect="1"/>
+          </p:cNvPicPr>
+          <p:nvPr/>
+        </p:nvPicPr>
+        <p:blipFill>
+          <a:blip r:embed="rId4" cstate="email">
+            <a:extLst>
+              <a:ext uri="{28A0092B-C50C-407E-A947-70E740481C1C}">
+                <a14:useLocalDpi xmlns:a14="http://schemas.microsoft.com/office/drawing/2010/main"/>
+              </a:ext>
+            </a:extLst>
+          </a:blip>
+          <a:stretch>
+            <a:fillRect/>
+          </a:stretch>
+        </p:blipFill>
+        <p:spPr>
+          <a:xfrm>
+            <a:off x="121479" y="2218267"/>
+            <a:ext cx="4418793" cy="2899833"/>
+          </a:xfrm>
+          <a:prstGeom prst="rect">
+            <a:avLst/>
+          </a:prstGeom>
+        </p:spPr>
+      </p:pic>
+      <p:pic>
+        <p:nvPicPr>
+          <p:cNvPr id="12" name="Picture 11">
+            <a:extLst>
+              <a:ext uri="{FF2B5EF4-FFF2-40B4-BE49-F238E27FC236}">
+                <a16:creationId xmlns:a16="http://schemas.microsoft.com/office/drawing/2014/main" id="{939D4B50-08A0-9D2A-71EA-6C05E3247A79}"/>
+              </a:ext>
+            </a:extLst>
+          </p:cNvPr>
+          <p:cNvPicPr>
+            <a:picLocks noChangeAspect="1"/>
+          </p:cNvPicPr>
+          <p:nvPr/>
+        </p:nvPicPr>
+        <p:blipFill>
+          <a:blip r:embed="rId5" cstate="email">
+            <a:extLst>
+              <a:ext uri="{28A0092B-C50C-407E-A947-70E740481C1C}">
+                <a14:useLocalDpi xmlns:a14="http://schemas.microsoft.com/office/drawing/2010/main"/>
+              </a:ext>
+            </a:extLst>
+          </a:blip>
+          <a:stretch>
+            <a:fillRect/>
+          </a:stretch>
+        </p:blipFill>
+        <p:spPr>
+          <a:xfrm>
+            <a:off x="4758193" y="3597965"/>
+            <a:ext cx="2360983" cy="3141134"/>
+          </a:xfrm>
+          <a:prstGeom prst="rect">
+            <a:avLst/>
+          </a:prstGeom>
+        </p:spPr>
+      </p:pic>
+    </p:spTree>
+    <p:extLst>
+      <p:ext uri="{BB962C8B-B14F-4D97-AF65-F5344CB8AC3E}">
+        <p14:creationId xmlns:p14="http://schemas.microsoft.com/office/powerpoint/2010/main" val="1830605566"/>
       </p:ext>
     </p:extLst>
   </p:cSld>
